--- a/Employee Attrition Prediction - Classification (R)/Predictive_Analysis_of_Employee_Attrition_TKim_5.6.23.pptx
+++ b/Employee Attrition Prediction - Classification (R)/Predictive_Analysis_of_Employee_Attrition_TKim_5.6.23.pptx
@@ -210,7 +210,7 @@
 <file path=ppt/charts/chart1.xml><?xml version="1.0" encoding="utf-8"?>
 <c:chartSpace xmlns:c="http://schemas.openxmlformats.org/drawingml/2006/chart" xmlns:a="http://schemas.openxmlformats.org/drawingml/2006/main" xmlns:r="http://schemas.openxmlformats.org/officeDocument/2006/relationships" xmlns:c16r2="http://schemas.microsoft.com/office/drawing/2015/06/chart">
   <c:date1904 val="0"/>
-  <c:lang val="ko-KR"/>
+  <c:lang val="en-US"/>
   <c:roundedCorners val="0"/>
   <mc:AlternateContent xmlns:mc="http://schemas.openxmlformats.org/markup-compatibility/2006">
     <mc:Choice xmlns:c14="http://schemas.microsoft.com/office/drawing/2007/8/2/chart" Requires="c14">
@@ -1010,7 +1010,7 @@
           <a:p>
             <a:fld id="{72CA27E1-7DD0-49FF-9DD3-7B41391D7982}" type="datetimeFigureOut">
               <a:rPr lang="en-US" smtClean="0"/>
-              <a:t>5/9/2023</a:t>
+              <a:t>2/28/2025</a:t>
             </a:fld>
             <a:endParaRPr lang="en-US"/>
           </a:p>
@@ -1321,23 +1321,9 @@
           <a:bodyPr/>
           <a:lstStyle/>
           <a:p>
-            <a:r>
-              <a:rPr lang="en-US"/>
-              <a:t>Alex</a:t>
-            </a:r>
-          </a:p>
-          <a:p>
-            <a:endParaRPr lang="en-US">
+            <a:endParaRPr lang="en-US" dirty="0">
               <a:cs typeface="Calibri"/>
             </a:endParaRPr>
-          </a:p>
-          <a:p>
-            <a:r>
-              <a:rPr lang="en-US">
-                <a:cs typeface="Calibri"/>
-              </a:rPr>
-              <a:t>Hello and welcome, my name is Alex joined by the rest of my team: Kristina, Aurora, Tom, and Marc … our presentation will examine employee data through Machine Learning for foresight concentration,.</a:t>
-            </a:r>
           </a:p>
         </p:txBody>
       </p:sp>
@@ -1437,85 +1423,7 @@
           <a:bodyPr/>
           <a:lstStyle/>
           <a:p>
-            <a:r>
-              <a:rPr lang="en-US"/>
-              <a:t>Alex</a:t>
-            </a:r>
-          </a:p>
-          <a:p>
-            <a:endParaRPr lang="en-US"/>
-          </a:p>
-          <a:p>
-            <a:r>
-              <a:rPr lang="en-US">
-                <a:cs typeface="Calibri"/>
-              </a:rPr>
-              <a:t>Discuss Overall Goal</a:t>
-            </a:r>
-          </a:p>
-          <a:p>
-            <a:endParaRPr lang="en-US"/>
-          </a:p>
-          <a:p>
-            <a:r>
-              <a:rPr lang="en-US">
-                <a:cs typeface="Calibri"/>
-              </a:rPr>
-              <a:t>Logistic Regression explains probability of Attrition based upon independent variables in the data and the Decision</a:t>
-            </a:r>
-            <a:r>
-              <a:rPr lang="en-US"/>
-              <a:t> Tree determines the predictive value based on series of questions and conditions.</a:t>
-            </a:r>
-            <a:endParaRPr lang="en-US">
-              <a:cs typeface="Calibri" panose="020F0502020204030204"/>
-            </a:endParaRPr>
-          </a:p>
-          <a:p>
-            <a:endParaRPr lang="en-US"/>
-          </a:p>
-          <a:p>
-            <a:endParaRPr lang="en-US"/>
-          </a:p>
-          <a:p>
-            <a:r>
-              <a:rPr lang="en-US"/>
-              <a:t>Bootstrap Aggregating Trees otherwise referred to as 'bagging' and random forest models are called “ensemble models” which combines several base models in order to produce one ultimate predictive model</a:t>
-            </a:r>
-          </a:p>
-          <a:p>
-            <a:endParaRPr lang="en-US">
-              <a:cs typeface="Calibri"/>
-            </a:endParaRPr>
-          </a:p>
-          <a:p>
-            <a:r>
-              <a:rPr lang="en-US"/>
-              <a:t>Random Forests are an enhancement on bagging by splitting the trees based on different features</a:t>
-            </a:r>
-          </a:p>
-          <a:p>
-            <a:endParaRPr lang="en-US">
-              <a:cs typeface="Calibri"/>
-            </a:endParaRPr>
-          </a:p>
-          <a:p>
-            <a:r>
-              <a:rPr lang="en-US">
-                <a:cs typeface="Calibri"/>
-              </a:rPr>
-              <a:t>Now Kristina will discuss how we identified the </a:t>
-            </a:r>
-            <a:r>
-              <a:rPr lang="en-US"/>
-              <a:t>best model </a:t>
-            </a:r>
-            <a:endParaRPr lang="en-US">
-              <a:cs typeface="Calibri"/>
-            </a:endParaRPr>
-          </a:p>
-          <a:p>
-            <a:endParaRPr lang="en-US">
+            <a:endParaRPr lang="en-US" dirty="0">
               <a:cs typeface="Calibri"/>
             </a:endParaRPr>
           </a:p>
@@ -1601,24 +1509,7 @@
           <a:bodyPr/>
           <a:lstStyle/>
           <a:p>
-            <a:r>
-              <a:rPr lang="en-US" dirty="0"/>
-              <a:t>Kristina</a:t>
-            </a:r>
-          </a:p>
-          <a:p>
-            <a:r>
-              <a:rPr lang="en-US" dirty="0"/>
-              <a:t>Voice track: We need to explain in simple words what all the metrics mean(sensitivity, accuracy, AUC </a:t>
-            </a:r>
-            <a:r>
-              <a:rPr lang="en-US" dirty="0" err="1"/>
-              <a:t>ect</a:t>
-            </a:r>
-            <a:r>
-              <a:rPr lang="en-US" dirty="0"/>
-              <a:t>). How Sensitivity and AUC are the most important</a:t>
-            </a:r>
+            <a:endParaRPr lang="en-US" dirty="0"/>
           </a:p>
         </p:txBody>
       </p:sp>
@@ -1702,10 +1593,7 @@
           <a:bodyPr/>
           <a:lstStyle/>
           <a:p>
-            <a:r>
-              <a:rPr lang="en-US"/>
-              <a:t>Aurora</a:t>
-            </a:r>
+            <a:endParaRPr lang="en-US" dirty="0"/>
           </a:p>
         </p:txBody>
       </p:sp>
@@ -1789,10 +1677,7 @@
           <a:bodyPr/>
           <a:lstStyle/>
           <a:p>
-            <a:r>
-              <a:rPr lang="en-US"/>
-              <a:t>Aurora</a:t>
-            </a:r>
+            <a:endParaRPr lang="en-US" dirty="0"/>
           </a:p>
         </p:txBody>
       </p:sp>
@@ -1876,51 +1761,7 @@
           <a:bodyPr/>
           <a:lstStyle/>
           <a:p>
-            <a:pPr fontAlgn="ctr"/>
-            <a:r>
-              <a:rPr lang="en-US" sz="1000">
-                <a:latin typeface="Calibri" panose="020F0502020204030204" pitchFamily="34" charset="0"/>
-              </a:rPr>
-              <a:t>Tom</a:t>
-            </a:r>
-          </a:p>
-          <a:p>
-            <a:pPr fontAlgn="ctr">
-              <a:buFont typeface="Arial" panose="020B0604020202020204" pitchFamily="34" charset="0"/>
-              <a:buChar char="•"/>
-            </a:pPr>
-            <a:r>
-              <a:rPr lang="en-US" sz="1000">
-                <a:latin typeface="Calibri" panose="020F0502020204030204" pitchFamily="34" charset="0"/>
-              </a:rPr>
-              <a:t>Single tree models suffer from high variance</a:t>
-            </a:r>
-          </a:p>
-          <a:p>
-            <a:pPr fontAlgn="ctr">
-              <a:buFont typeface="Arial" panose="020B0604020202020204" pitchFamily="34" charset="0"/>
-              <a:buChar char="•"/>
-            </a:pPr>
-            <a:r>
-              <a:rPr lang="en-US" sz="1000">
-                <a:latin typeface="Calibri" panose="020F0502020204030204" pitchFamily="34" charset="0"/>
-              </a:rPr>
-              <a:t>Bootstrap Aggregating (bagging) combines and averages multiple models(reduces variability and overfitting) </a:t>
-            </a:r>
-          </a:p>
-          <a:p>
-            <a:pPr defTabSz="941923">
-              <a:defRPr/>
-            </a:pPr>
-            <a:r>
-              <a:rPr lang="en-US">
-                <a:latin typeface="Calibri" panose="020F0502020204030204" pitchFamily="34" charset="0"/>
-              </a:rPr>
-              <a:t>Random Forest: Improves on bagging, it performs bagging and also randomly subsets the variables by forcing each tree to do different splits, capturing all the ways of modeling the data </a:t>
-            </a:r>
-          </a:p>
-          <a:p>
-            <a:endParaRPr lang="en-US"/>
+            <a:endParaRPr lang="en-US" dirty="0"/>
           </a:p>
         </p:txBody>
       </p:sp>
@@ -2004,10 +1845,7 @@
           <a:bodyPr/>
           <a:lstStyle/>
           <a:p>
-            <a:r>
-              <a:rPr lang="en-US"/>
-              <a:t>Tom</a:t>
-            </a:r>
+            <a:endParaRPr lang="en-US" dirty="0"/>
           </a:p>
         </p:txBody>
       </p:sp>
@@ -2091,10 +1929,7 @@
           <a:bodyPr/>
           <a:lstStyle/>
           <a:p>
-            <a:r>
-              <a:rPr lang="en-US"/>
-              <a:t>Marc</a:t>
-            </a:r>
+            <a:endParaRPr lang="en-US" dirty="0"/>
           </a:p>
         </p:txBody>
       </p:sp>
@@ -2625,7 +2460,7 @@
             <a:fld id="{B86A9B72-EFE5-0C44-9856-127B83BB47D0}" type="datetimeFigureOut">
               <a:rPr lang="en-US" smtClean="0"/>
               <a:pPr/>
-              <a:t>5/9/2023</a:t>
+              <a:t>2/28/2025</a:t>
             </a:fld>
             <a:endParaRPr lang="en-US"/>
           </a:p>
@@ -2811,7 +2646,7 @@
             <a:fld id="{B86A9B72-EFE5-0C44-9856-127B83BB47D0}" type="datetimeFigureOut">
               <a:rPr lang="en-US" smtClean="0"/>
               <a:pPr/>
-              <a:t>5/9/2023</a:t>
+              <a:t>2/28/2025</a:t>
             </a:fld>
             <a:endParaRPr lang="en-US"/>
           </a:p>
@@ -3007,7 +2842,7 @@
             <a:fld id="{B86A9B72-EFE5-0C44-9856-127B83BB47D0}" type="datetimeFigureOut">
               <a:rPr lang="en-US" smtClean="0"/>
               <a:pPr/>
-              <a:t>5/9/2023</a:t>
+              <a:t>2/28/2025</a:t>
             </a:fld>
             <a:endParaRPr lang="en-US"/>
           </a:p>
@@ -3669,7 +3504,7 @@
             <a:fld id="{B86A9B72-EFE5-0C44-9856-127B83BB47D0}" type="datetimeFigureOut">
               <a:rPr lang="en-US" smtClean="0"/>
               <a:pPr/>
-              <a:t>5/9/2023</a:t>
+              <a:t>2/28/2025</a:t>
             </a:fld>
             <a:endParaRPr lang="en-US"/>
           </a:p>
@@ -4106,7 +3941,7 @@
             <a:fld id="{B86A9B72-EFE5-0C44-9856-127B83BB47D0}" type="datetimeFigureOut">
               <a:rPr lang="en-US" smtClean="0"/>
               <a:pPr/>
-              <a:t>5/9/2023</a:t>
+              <a:t>2/28/2025</a:t>
             </a:fld>
             <a:endParaRPr lang="en-US"/>
           </a:p>
@@ -4241,7 +4076,7 @@
             <a:fld id="{B86A9B72-EFE5-0C44-9856-127B83BB47D0}" type="datetimeFigureOut">
               <a:rPr lang="en-US" smtClean="0"/>
               <a:pPr/>
-              <a:t>5/9/2023</a:t>
+              <a:t>2/28/2025</a:t>
             </a:fld>
             <a:endParaRPr lang="en-US"/>
           </a:p>
@@ -4354,7 +4189,7 @@
             <a:fld id="{B86A9B72-EFE5-0C44-9856-127B83BB47D0}" type="datetimeFigureOut">
               <a:rPr lang="en-US" smtClean="0"/>
               <a:pPr/>
-              <a:t>5/9/2023</a:t>
+              <a:t>2/28/2025</a:t>
             </a:fld>
             <a:endParaRPr lang="en-US"/>
           </a:p>
@@ -4647,7 +4482,7 @@
             <a:fld id="{B86A9B72-EFE5-0C44-9856-127B83BB47D0}" type="datetimeFigureOut">
               <a:rPr lang="en-US" smtClean="0"/>
               <a:pPr/>
-              <a:t>5/9/2023</a:t>
+              <a:t>2/28/2025</a:t>
             </a:fld>
             <a:endParaRPr lang="en-US"/>
           </a:p>
@@ -5533,7 +5368,7 @@
           <a:p>
             <a:pPr algn="ctr"/>
             <a:r>
-              <a:rPr lang="en-US" sz="2000" b="1">
+              <a:rPr lang="en-US" sz="2000" b="1" dirty="0">
                 <a:solidFill>
                   <a:schemeClr val="accent3"/>
                 </a:solidFill>
@@ -5544,39 +5379,39 @@
           <a:p>
             <a:pPr algn="ctr"/>
             <a:r>
-              <a:rPr lang="en-US" sz="2000"/>
+              <a:rPr lang="en-US" sz="2000" dirty="0"/>
               <a:t>Identify </a:t>
             </a:r>
             <a:r>
-              <a:rPr lang="en-US" sz="2000" err="1"/>
+              <a:rPr lang="en-US" sz="2000" dirty="0" err="1"/>
               <a:t>Canterra’s</a:t>
             </a:r>
             <a:r>
-              <a:rPr lang="en-US" sz="2000"/>
+              <a:rPr lang="en-US" sz="2000" dirty="0"/>
               <a:t> </a:t>
             </a:r>
             <a:r>
-              <a:rPr lang="en-US" sz="2000" b="1"/>
+              <a:rPr lang="en-US" sz="2000" b="1" dirty="0"/>
               <a:t>probability of attrition</a:t>
             </a:r>
             <a:r>
-              <a:rPr lang="en-US" sz="2000"/>
+              <a:rPr lang="en-US" sz="2000" dirty="0"/>
               <a:t>, understand the </a:t>
             </a:r>
             <a:r>
-              <a:rPr lang="en-US" sz="2000" b="1"/>
+              <a:rPr lang="en-US" sz="2000" b="1" dirty="0"/>
               <a:t>factors impacting turnover</a:t>
             </a:r>
             <a:r>
-              <a:rPr lang="en-US" sz="2000"/>
+              <a:rPr lang="en-US" sz="2000" dirty="0"/>
               <a:t> and </a:t>
             </a:r>
             <a:r>
-              <a:rPr lang="en-US" sz="2000" b="1"/>
+              <a:rPr lang="en-US" sz="2000" b="1" dirty="0"/>
               <a:t>recommended changes</a:t>
             </a:r>
             <a:r>
-              <a:rPr lang="en-US" sz="2000"/>
+              <a:rPr lang="en-US" sz="2000" dirty="0"/>
               <a:t> to encourage employees to stay in the workplace.</a:t>
             </a:r>
           </a:p>
@@ -16119,18 +15954,18 @@
 </file>
 
 <file path=customXml/item1.xml><?xml version="1.0" encoding="utf-8"?>
+<p:properties xmlns:p="http://schemas.microsoft.com/office/2006/metadata/properties" xmlns:xsi="http://www.w3.org/2001/XMLSchema-instance" xmlns:pc="http://schemas.microsoft.com/office/infopath/2007/PartnerControls">
+  <documentManagement/>
+</p:properties>
+</file>
+
+<file path=customXml/item2.xml><?xml version="1.0" encoding="utf-8"?>
 <?mso-contentType ?>
 <FormTemplates xmlns="http://schemas.microsoft.com/sharepoint/v3/contenttype/forms">
   <Display>DocumentLibraryForm</Display>
   <Edit>DocumentLibraryForm</Edit>
   <New>DocumentLibraryForm</New>
 </FormTemplates>
-</file>
-
-<file path=customXml/item2.xml><?xml version="1.0" encoding="utf-8"?>
-<p:properties xmlns:p="http://schemas.microsoft.com/office/2006/metadata/properties" xmlns:xsi="http://www.w3.org/2001/XMLSchema-instance" xmlns:pc="http://schemas.microsoft.com/office/infopath/2007/PartnerControls">
-  <documentManagement/>
-</p:properties>
 </file>
 
 <file path=customXml/item3.xml><?xml version="1.0" encoding="utf-8"?>
@@ -16351,14 +16186,6 @@
 </file>
 
 <file path=customXml/itemProps1.xml><?xml version="1.0" encoding="utf-8"?>
-<ds:datastoreItem xmlns:ds="http://schemas.openxmlformats.org/officeDocument/2006/customXml" ds:itemID="{60C3E4F6-A794-4174-9826-5F5B0AB137C8}">
-  <ds:schemaRefs>
-    <ds:schemaRef ds:uri="http://schemas.microsoft.com/sharepoint/v3/contenttype/forms"/>
-  </ds:schemaRefs>
-</ds:datastoreItem>
-</file>
-
-<file path=customXml/itemProps2.xml><?xml version="1.0" encoding="utf-8"?>
 <ds:datastoreItem xmlns:ds="http://schemas.openxmlformats.org/officeDocument/2006/customXml" ds:itemID="{C919C615-8A4A-4B3F-9743-8498E4923268}">
   <ds:schemaRefs>
     <ds:schemaRef ds:uri="http://purl.org/dc/terms/"/>
@@ -16371,6 +16198,14 @@
     <ds:schemaRef ds:uri="http://schemas.openxmlformats.org/package/2006/metadata/core-properties"/>
     <ds:schemaRef ds:uri="e1309dea-9b7b-4d8a-9d0c-efa323a4619b"/>
     <ds:schemaRef ds:uri="http://www.w3.org/XML/1998/namespace"/>
+  </ds:schemaRefs>
+</ds:datastoreItem>
+</file>
+
+<file path=customXml/itemProps2.xml><?xml version="1.0" encoding="utf-8"?>
+<ds:datastoreItem xmlns:ds="http://schemas.openxmlformats.org/officeDocument/2006/customXml" ds:itemID="{60C3E4F6-A794-4174-9826-5F5B0AB137C8}">
+  <ds:schemaRefs>
+    <ds:schemaRef ds:uri="http://schemas.microsoft.com/sharepoint/v3/contenttype/forms"/>
   </ds:schemaRefs>
 </ds:datastoreItem>
 </file>
